--- a/Bootstrap.pptx
+++ b/Bootstrap.pptx
@@ -267,7 +267,7 @@
             <a:fld id="{AF714305-DAC1-4F15-A7F3-9A6BA231B350}" type="datetimeFigureOut">
               <a:rPr lang="en-US" smtClean="0"/>
               <a:pPr/>
-              <a:t>9/29/2018</a:t>
+              <a:t>15/02/2019</a:t>
             </a:fld>
             <a:endParaRPr lang="en-US"/>
           </a:p>
@@ -1138,7 +1138,7 @@
             <a:fld id="{AF714305-DAC1-4F15-A7F3-9A6BA231B350}" type="datetimeFigureOut">
               <a:rPr lang="en-US" smtClean="0"/>
               <a:pPr/>
-              <a:t>9/29/2018</a:t>
+              <a:t>15/02/2019</a:t>
             </a:fld>
             <a:endParaRPr lang="en-US"/>
           </a:p>
@@ -1315,7 +1315,7 @@
             <a:fld id="{AF714305-DAC1-4F15-A7F3-9A6BA231B350}" type="datetimeFigureOut">
               <a:rPr lang="en-US" smtClean="0"/>
               <a:pPr/>
-              <a:t>9/29/2018</a:t>
+              <a:t>15/02/2019</a:t>
             </a:fld>
             <a:endParaRPr lang="en-US"/>
           </a:p>
@@ -1487,7 +1487,7 @@
             <a:fld id="{AF714305-DAC1-4F15-A7F3-9A6BA231B350}" type="datetimeFigureOut">
               <a:rPr lang="en-US" smtClean="0"/>
               <a:pPr/>
-              <a:t>9/29/2018</a:t>
+              <a:t>15/02/2019</a:t>
             </a:fld>
             <a:endParaRPr lang="en-US"/>
           </a:p>
@@ -1699,7 +1699,7 @@
             <a:fld id="{AF714305-DAC1-4F15-A7F3-9A6BA231B350}" type="datetimeFigureOut">
               <a:rPr lang="en-US" smtClean="0"/>
               <a:pPr/>
-              <a:t>9/29/2018</a:t>
+              <a:t>15/02/2019</a:t>
             </a:fld>
             <a:endParaRPr lang="en-US"/>
           </a:p>
@@ -2515,7 +2515,7 @@
             <a:fld id="{AF714305-DAC1-4F15-A7F3-9A6BA231B350}" type="datetimeFigureOut">
               <a:rPr lang="en-US" smtClean="0"/>
               <a:pPr/>
-              <a:t>9/29/2018</a:t>
+              <a:t>15/02/2019</a:t>
             </a:fld>
             <a:endParaRPr lang="en-US"/>
           </a:p>
@@ -2753,7 +2753,7 @@
             <a:fld id="{AF714305-DAC1-4F15-A7F3-9A6BA231B350}" type="datetimeFigureOut">
               <a:rPr lang="en-US" smtClean="0"/>
               <a:pPr/>
-              <a:t>9/29/2018</a:t>
+              <a:t>15/02/2019</a:t>
             </a:fld>
             <a:endParaRPr lang="en-US"/>
           </a:p>
@@ -3078,7 +3078,7 @@
             <a:fld id="{AF714305-DAC1-4F15-A7F3-9A6BA231B350}" type="datetimeFigureOut">
               <a:rPr lang="en-US" smtClean="0"/>
               <a:pPr/>
-              <a:t>9/29/2018</a:t>
+              <a:t>15/02/2019</a:t>
             </a:fld>
             <a:endParaRPr lang="en-US"/>
           </a:p>
@@ -3170,7 +3170,7 @@
             <a:fld id="{AF714305-DAC1-4F15-A7F3-9A6BA231B350}" type="datetimeFigureOut">
               <a:rPr lang="en-US" smtClean="0"/>
               <a:pPr/>
-              <a:t>9/29/2018</a:t>
+              <a:t>15/02/2019</a:t>
             </a:fld>
             <a:endParaRPr lang="en-US"/>
           </a:p>
@@ -3689,7 +3689,7 @@
             <a:fld id="{AF714305-DAC1-4F15-A7F3-9A6BA231B350}" type="datetimeFigureOut">
               <a:rPr lang="en-US" smtClean="0"/>
               <a:pPr/>
-              <a:t>9/29/2018</a:t>
+              <a:t>15/02/2019</a:t>
             </a:fld>
             <a:endParaRPr lang="en-US"/>
           </a:p>
@@ -4202,7 +4202,7 @@
             <a:fld id="{AF714305-DAC1-4F15-A7F3-9A6BA231B350}" type="datetimeFigureOut">
               <a:rPr lang="en-US" smtClean="0"/>
               <a:pPr/>
-              <a:t>9/29/2018</a:t>
+              <a:t>15/02/2019</a:t>
             </a:fld>
             <a:endParaRPr lang="en-US"/>
           </a:p>
@@ -4449,7 +4449,7 @@
             <a:fld id="{AF714305-DAC1-4F15-A7F3-9A6BA231B350}" type="datetimeFigureOut">
               <a:rPr lang="en-US" smtClean="0"/>
               <a:pPr/>
-              <a:t>9/29/2018</a:t>
+              <a:t>15/02/2019</a:t>
             </a:fld>
             <a:endParaRPr lang="en-US"/>
           </a:p>
@@ -5711,6 +5711,13 @@
   <p:clrMapOvr>
     <a:masterClrMapping/>
   </p:clrMapOvr>
+  <p:timing>
+    <p:tnLst>
+      <p:par>
+        <p:cTn id="1" dur="indefinite" restart="never" nodeType="tmRoot"/>
+      </p:par>
+    </p:tnLst>
+  </p:timing>
 </p:sld>
 </file>
 
@@ -5814,6 +5821,13 @@
   <p:clrMapOvr>
     <a:masterClrMapping/>
   </p:clrMapOvr>
+  <p:timing>
+    <p:tnLst>
+      <p:par>
+        <p:cTn id="1" dur="indefinite" restart="never" nodeType="tmRoot"/>
+      </p:par>
+    </p:tnLst>
+  </p:timing>
 </p:sld>
 </file>
 
@@ -5952,6 +5966,13 @@
   <p:clrMapOvr>
     <a:masterClrMapping/>
   </p:clrMapOvr>
+  <p:timing>
+    <p:tnLst>
+      <p:par>
+        <p:cTn id="1" dur="indefinite" restart="never" nodeType="tmRoot"/>
+      </p:par>
+    </p:tnLst>
+  </p:timing>
 </p:sld>
 </file>
 
@@ -6168,6 +6189,13 @@
   <p:clrMapOvr>
     <a:masterClrMapping/>
   </p:clrMapOvr>
+  <p:timing>
+    <p:tnLst>
+      <p:par>
+        <p:cTn id="1" dur="indefinite" restart="never" nodeType="tmRoot"/>
+      </p:par>
+    </p:tnLst>
+  </p:timing>
 </p:sld>
 </file>
 
@@ -6340,6 +6368,13 @@
   <p:clrMapOvr>
     <a:masterClrMapping/>
   </p:clrMapOvr>
+  <p:timing>
+    <p:tnLst>
+      <p:par>
+        <p:cTn id="1" dur="indefinite" restart="never" nodeType="tmRoot"/>
+      </p:par>
+    </p:tnLst>
+  </p:timing>
 </p:sld>
 </file>
 
@@ -6413,6 +6448,13 @@
   <p:clrMapOvr>
     <a:masterClrMapping/>
   </p:clrMapOvr>
+  <p:timing>
+    <p:tnLst>
+      <p:par>
+        <p:cTn id="1" dur="indefinite" restart="never" nodeType="tmRoot"/>
+      </p:par>
+    </p:tnLst>
+  </p:timing>
 </p:sld>
 </file>
 
@@ -8322,7 +8364,7 @@
         <p:spPr/>
         <p:txBody>
           <a:bodyPr>
-            <a:normAutofit lnSpcReduction="10000"/>
+            <a:normAutofit/>
           </a:bodyPr>
           <a:lstStyle/>
           <a:p>
@@ -8345,45 +8387,34 @@
           </a:p>
           <a:p>
             <a:r>
+              <a:rPr lang="en-US" dirty="0" smtClean="0"/>
+              <a:t>Text-left</a:t>
+            </a:r>
+          </a:p>
+          <a:p>
+            <a:r>
+              <a:rPr lang="en-US" dirty="0" smtClean="0"/>
+              <a:t>Text-center</a:t>
+            </a:r>
+          </a:p>
+          <a:p>
+            <a:r>
+              <a:rPr lang="en-US" dirty="0" smtClean="0"/>
+              <a:t>Text-right</a:t>
+            </a:r>
+          </a:p>
+          <a:p>
+            <a:r>
+              <a:rPr lang="en-US" dirty="0" smtClean="0"/>
+              <a:t>Text-justify</a:t>
+            </a:r>
+          </a:p>
+          <a:p>
+            <a:r>
               <a:rPr lang="en-US" smtClean="0"/>
-              <a:t>Text-left</a:t>
+              <a:t>Text-lowercase</a:t>
             </a:r>
             <a:endParaRPr lang="en-US" dirty="0" smtClean="0"/>
-          </a:p>
-          <a:p>
-            <a:r>
-              <a:rPr lang="en-US" dirty="0" smtClean="0"/>
-              <a:t>Text-center</a:t>
-            </a:r>
-          </a:p>
-          <a:p>
-            <a:r>
-              <a:rPr lang="en-US" dirty="0" smtClean="0"/>
-              <a:t>Text-right</a:t>
-            </a:r>
-          </a:p>
-          <a:p>
-            <a:r>
-              <a:rPr lang="en-US" dirty="0" smtClean="0"/>
-              <a:t>Text-justify</a:t>
-            </a:r>
-          </a:p>
-          <a:p>
-            <a:r>
-              <a:rPr lang="en-US" dirty="0" smtClean="0"/>
-              <a:t>Text-</a:t>
-            </a:r>
-            <a:r>
-              <a:rPr lang="en-US" dirty="0" err="1" smtClean="0"/>
-              <a:t>nowrap</a:t>
-            </a:r>
-            <a:endParaRPr lang="en-US" dirty="0" smtClean="0"/>
-          </a:p>
-          <a:p>
-            <a:r>
-              <a:rPr lang="en-US" dirty="0" smtClean="0"/>
-              <a:t>Text-lowercase</a:t>
-            </a:r>
           </a:p>
           <a:p>
             <a:r>
